--- a/presentation/TeaAtHome.pptx
+++ b/presentation/TeaAtHome.pptx
@@ -433,16 +433,6 @@
               </a:path>
             </a:pathLst>
           </a:custGeom>
-          <a:noFill/>
-          <a:ln cap="flat" cmpd="sng" w="9525">
-            <a:solidFill>
-              <a:srgbClr val="000000"/>
-            </a:solidFill>
-            <a:prstDash val="solid"/>
-            <a:round/>
-            <a:headEnd len="med" w="med" type="none"/>
-            <a:tailEnd len="med" w="med" type="none"/>
-          </a:ln>
         </p:spPr>
       </p:sp>
       <p:sp>
@@ -538,16 +528,6 @@
               </a:path>
             </a:pathLst>
           </a:custGeom>
-          <a:noFill/>
-          <a:ln cap="flat" cmpd="sng" w="9525">
-            <a:solidFill>
-              <a:srgbClr val="000000"/>
-            </a:solidFill>
-            <a:prstDash val="solid"/>
-            <a:round/>
-            <a:headEnd len="med" w="med" type="none"/>
-            <a:tailEnd len="med" w="med" type="none"/>
-          </a:ln>
         </p:spPr>
       </p:sp>
       <p:sp>
@@ -643,16 +623,6 @@
               </a:path>
             </a:pathLst>
           </a:custGeom>
-          <a:noFill/>
-          <a:ln cap="flat" cmpd="sng" w="9525">
-            <a:solidFill>
-              <a:srgbClr val="000000"/>
-            </a:solidFill>
-            <a:prstDash val="solid"/>
-            <a:round/>
-            <a:headEnd len="med" w="med" type="none"/>
-            <a:tailEnd len="med" w="med" type="none"/>
-          </a:ln>
         </p:spPr>
       </p:sp>
       <p:sp>
@@ -748,16 +718,6 @@
               </a:path>
             </a:pathLst>
           </a:custGeom>
-          <a:noFill/>
-          <a:ln cap="flat" cmpd="sng" w="9525">
-            <a:solidFill>
-              <a:srgbClr val="000000"/>
-            </a:solidFill>
-            <a:prstDash val="solid"/>
-            <a:round/>
-            <a:headEnd len="med" w="med" type="none"/>
-            <a:tailEnd len="med" w="med" type="none"/>
-          </a:ln>
         </p:spPr>
       </p:sp>
       <p:sp>
@@ -853,16 +813,6 @@
               </a:path>
             </a:pathLst>
           </a:custGeom>
-          <a:noFill/>
-          <a:ln cap="flat" cmpd="sng" w="9525">
-            <a:solidFill>
-              <a:srgbClr val="000000"/>
-            </a:solidFill>
-            <a:prstDash val="solid"/>
-            <a:round/>
-            <a:headEnd len="med" w="med" type="none"/>
-            <a:tailEnd len="med" w="med" type="none"/>
-          </a:ln>
         </p:spPr>
       </p:sp>
       <p:sp>
@@ -958,16 +908,6 @@
               </a:path>
             </a:pathLst>
           </a:custGeom>
-          <a:noFill/>
-          <a:ln cap="flat" cmpd="sng" w="9525">
-            <a:solidFill>
-              <a:srgbClr val="000000"/>
-            </a:solidFill>
-            <a:prstDash val="solid"/>
-            <a:round/>
-            <a:headEnd len="med" w="med" type="none"/>
-            <a:tailEnd len="med" w="med" type="none"/>
-          </a:ln>
         </p:spPr>
       </p:sp>
       <p:sp>
@@ -1063,16 +1003,6 @@
               </a:path>
             </a:pathLst>
           </a:custGeom>
-          <a:noFill/>
-          <a:ln cap="flat" cmpd="sng" w="9525">
-            <a:solidFill>
-              <a:srgbClr val="000000"/>
-            </a:solidFill>
-            <a:prstDash val="solid"/>
-            <a:round/>
-            <a:headEnd len="med" w="med" type="none"/>
-            <a:tailEnd len="med" w="med" type="none"/>
-          </a:ln>
         </p:spPr>
       </p:sp>
       <p:sp>
@@ -1168,16 +1098,6 @@
               </a:path>
             </a:pathLst>
           </a:custGeom>
-          <a:noFill/>
-          <a:ln cap="flat" cmpd="sng" w="9525">
-            <a:solidFill>
-              <a:srgbClr val="000000"/>
-            </a:solidFill>
-            <a:prstDash val="solid"/>
-            <a:round/>
-            <a:headEnd len="med" w="med" type="none"/>
-            <a:tailEnd len="med" w="med" type="none"/>
-          </a:ln>
         </p:spPr>
       </p:sp>
       <p:sp>
@@ -1273,16 +1193,6 @@
               </a:path>
             </a:pathLst>
           </a:custGeom>
-          <a:noFill/>
-          <a:ln cap="flat" cmpd="sng" w="9525">
-            <a:solidFill>
-              <a:srgbClr val="000000"/>
-            </a:solidFill>
-            <a:prstDash val="solid"/>
-            <a:round/>
-            <a:headEnd len="med" w="med" type="none"/>
-            <a:tailEnd len="med" w="med" type="none"/>
-          </a:ln>
         </p:spPr>
       </p:sp>
       <p:sp>
@@ -1378,16 +1288,6 @@
               </a:path>
             </a:pathLst>
           </a:custGeom>
-          <a:noFill/>
-          <a:ln cap="flat" cmpd="sng" w="9525">
-            <a:solidFill>
-              <a:srgbClr val="000000"/>
-            </a:solidFill>
-            <a:prstDash val="solid"/>
-            <a:round/>
-            <a:headEnd len="med" w="med" type="none"/>
-            <a:tailEnd len="med" w="med" type="none"/>
-          </a:ln>
         </p:spPr>
       </p:sp>
       <p:sp>
@@ -4810,7 +4710,7 @@
           <p:cNvPr id="56" name="Shape 56"/>
           <p:cNvSpPr txBox="1"/>
           <p:nvPr>
-            <p:ph idx="2" type="subTitle"/>
+            <p:ph idx="1" type="subTitle"/>
           </p:nvPr>
         </p:nvSpPr>
         <p:spPr>
@@ -5198,7 +5098,7 @@
           <p:cNvPr id="65" name="Shape 65"/>
           <p:cNvSpPr txBox="1"/>
           <p:nvPr>
-            <p:ph idx="2" type="sldNum"/>
+            <p:ph idx="12" type="sldNum"/>
           </p:nvPr>
         </p:nvSpPr>
         <p:spPr>
@@ -5238,7 +5138,7 @@
           <p:cNvPr id="66" name="Shape 66"/>
           <p:cNvSpPr txBox="1"/>
           <p:nvPr>
-            <p:ph idx="3" type="sldNum"/>
+            <p:ph idx="12" type="sldNum"/>
           </p:nvPr>
         </p:nvSpPr>
         <p:spPr>
@@ -5590,7 +5490,7 @@
           <p:cNvPr id="75" name="Shape 75"/>
           <p:cNvSpPr txBox="1"/>
           <p:nvPr>
-            <p:ph idx="2" type="sldNum"/>
+            <p:ph idx="12" type="sldNum"/>
           </p:nvPr>
         </p:nvSpPr>
         <p:spPr>
@@ -5630,7 +5530,7 @@
           <p:cNvPr id="76" name="Shape 76"/>
           <p:cNvSpPr txBox="1"/>
           <p:nvPr>
-            <p:ph idx="3" type="sldNum"/>
+            <p:ph idx="12" type="sldNum"/>
           </p:nvPr>
         </p:nvSpPr>
         <p:spPr>
@@ -5860,28 +5760,44 @@
             </a:r>
           </a:p>
           <a:p>
-            <a:pPr lvl="0" rtl="0">
-              <a:spcBef>
-                <a:spcPts val="0"/>
-              </a:spcBef>
-              <a:buNone/>
-            </a:pPr>
-            <a:r>
-              <a:t/>
-            </a:r>
-            <a:endParaRPr/>
-          </a:p>
-          <a:p>
-            <a:pPr lvl="0" rtl="0" algn="l">
-              <a:spcBef>
-                <a:spcPts val="0"/>
-              </a:spcBef>
-              <a:buNone/>
-            </a:pPr>
-            <a:r>
-              <a:t/>
-            </a:r>
-            <a:endParaRPr/>
+            <a:pPr indent="-419100" lvl="0" marL="457200" rtl="0">
+              <a:spcBef>
+                <a:spcPts val="0"/>
+              </a:spcBef>
+              <a:buClr>
+                <a:srgbClr val="000000"/>
+              </a:buClr>
+              <a:buSzPct val="100000"/>
+              <a:buChar char="-"/>
+            </a:pPr>
+            <a:r>
+              <a:rPr lang="de" sz="3000">
+                <a:solidFill>
+                  <a:srgbClr val="000000"/>
+                </a:solidFill>
+              </a:rPr>
+              <a:t>Variables instead of logical propositions</a:t>
+            </a:r>
+          </a:p>
+          <a:p>
+            <a:pPr indent="-419100" lvl="0" marL="457200" rtl="0">
+              <a:spcBef>
+                <a:spcPts val="0"/>
+              </a:spcBef>
+              <a:buClr>
+                <a:srgbClr val="000000"/>
+              </a:buClr>
+              <a:buSzPct val="100000"/>
+              <a:buChar char="-"/>
+            </a:pPr>
+            <a:r>
+              <a:rPr lang="de" sz="3000">
+                <a:solidFill>
+                  <a:srgbClr val="000000"/>
+                </a:solidFill>
+              </a:rPr>
+              <a:t>No planning language, functions for HTN operators and methods</a:t>
+            </a:r>
           </a:p>
         </p:txBody>
       </p:sp>
@@ -5930,7 +5846,7 @@
           <p:cNvPr id="85" name="Shape 85"/>
           <p:cNvSpPr txBox="1"/>
           <p:nvPr>
-            <p:ph idx="2" type="sldNum"/>
+            <p:ph idx="12" type="sldNum"/>
           </p:nvPr>
         </p:nvSpPr>
         <p:spPr>
@@ -5970,7 +5886,7 @@
           <p:cNvPr id="86" name="Shape 86"/>
           <p:cNvSpPr txBox="1"/>
           <p:nvPr>
-            <p:ph idx="3" type="sldNum"/>
+            <p:ph idx="12" type="sldNum"/>
           </p:nvPr>
         </p:nvSpPr>
         <p:spPr>
@@ -7231,7 +7147,7 @@
           <p:cNvPr id="122" name="Shape 122"/>
           <p:cNvSpPr txBox="1"/>
           <p:nvPr>
-            <p:ph idx="2" type="sldNum"/>
+            <p:ph idx="12" type="sldNum"/>
           </p:nvPr>
         </p:nvSpPr>
         <p:spPr>
@@ -7271,7 +7187,7 @@
           <p:cNvPr id="123" name="Shape 123"/>
           <p:cNvSpPr txBox="1"/>
           <p:nvPr>
-            <p:ph idx="3" type="sldNum"/>
+            <p:ph idx="12" type="sldNum"/>
           </p:nvPr>
         </p:nvSpPr>
         <p:spPr>
@@ -7437,7 +7353,7 @@
                   <a:srgbClr val="000000"/>
                 </a:solidFill>
               </a:rPr>
-              <a:t>Checking of all relevant preconditions in operators - fail if not fullfilled</a:t>
+              <a:t>Checking of all relevant preconditions in operators - failure if not fullfilled</a:t>
             </a:r>
           </a:p>
           <a:p>
@@ -7457,7 +7373,7 @@
                   <a:srgbClr val="000000"/>
                 </a:solidFill>
               </a:rPr>
-              <a:t>Alternative methods for Tasks which could fail due to preconditions</a:t>
+              <a:t>Alternative methods for tasks which could fail due to preconditions</a:t>
             </a:r>
           </a:p>
           <a:p>
@@ -7477,7 +7393,7 @@
                   <a:srgbClr val="000000"/>
                 </a:solidFill>
               </a:rPr>
-              <a:t>Some checking in Top-Methods to select correct sub-method </a:t>
+              <a:t>Some checking in top-methods to select correct sub-method </a:t>
             </a:r>
           </a:p>
           <a:p>
@@ -7497,7 +7413,7 @@
                   <a:srgbClr val="000000"/>
                 </a:solidFill>
               </a:rPr>
-              <a:t>Enums containing domain states (e.g. cup clean/dirty)</a:t>
+              <a:t>Domain knowledge: state (e.g. teacup clean/dirty)</a:t>
             </a:r>
           </a:p>
           <a:p>
@@ -7517,7 +7433,7 @@
                   <a:srgbClr val="000000"/>
                 </a:solidFill>
               </a:rPr>
-              <a:t>Cups: Randomize cup locations, state (dirty / clean)</a:t>
+              <a:t>Teacups: randomize cup locations, state (dirty / clean)</a:t>
             </a:r>
           </a:p>
           <a:p>
@@ -7591,7 +7507,7 @@
           <p:cNvPr id="132" name="Shape 132"/>
           <p:cNvSpPr txBox="1"/>
           <p:nvPr>
-            <p:ph idx="2" type="sldNum"/>
+            <p:ph idx="12" type="sldNum"/>
           </p:nvPr>
         </p:nvSpPr>
         <p:spPr>
@@ -7631,7 +7547,7 @@
           <p:cNvPr id="133" name="Shape 133"/>
           <p:cNvSpPr txBox="1"/>
           <p:nvPr>
-            <p:ph idx="3" type="sldNum"/>
+            <p:ph idx="12" type="sldNum"/>
           </p:nvPr>
         </p:nvSpPr>
         <p:spPr>
@@ -7997,7 +7913,7 @@
           <p:cNvPr id="142" name="Shape 142"/>
           <p:cNvSpPr txBox="1"/>
           <p:nvPr>
-            <p:ph idx="2" type="sldNum"/>
+            <p:ph idx="12" type="sldNum"/>
           </p:nvPr>
         </p:nvSpPr>
         <p:spPr>
@@ -8037,7 +7953,7 @@
           <p:cNvPr id="143" name="Shape 143"/>
           <p:cNvSpPr txBox="1"/>
           <p:nvPr>
-            <p:ph idx="3" type="sldNum"/>
+            <p:ph idx="12" type="sldNum"/>
           </p:nvPr>
         </p:nvSpPr>
         <p:spPr>
@@ -8207,7 +8123,7 @@
                   <a:srgbClr val="000000"/>
                 </a:solidFill>
               </a:rPr>
-              <a:t>For dirty cups: Execute “cup finder” first - restart after dirty cup until all cups tested or clean cup found</a:t>
+              <a:t>For dirty cups: Execute “cup finder” first - repeat in case of dirty cup until all cups tested or clean cup found</a:t>
             </a:r>
           </a:p>
           <a:p>
@@ -8349,7 +8265,7 @@
           <p:cNvPr id="152" name="Shape 152"/>
           <p:cNvSpPr txBox="1"/>
           <p:nvPr>
-            <p:ph idx="2" type="sldNum"/>
+            <p:ph idx="12" type="sldNum"/>
           </p:nvPr>
         </p:nvSpPr>
         <p:spPr>
@@ -8389,7 +8305,7 @@
           <p:cNvPr id="153" name="Shape 153"/>
           <p:cNvSpPr txBox="1"/>
           <p:nvPr>
-            <p:ph idx="3" type="sldNum"/>
+            <p:ph idx="12" type="sldNum"/>
           </p:nvPr>
         </p:nvSpPr>
         <p:spPr>
@@ -8701,7 +8617,7 @@
           <p:cNvPr id="162" name="Shape 162"/>
           <p:cNvSpPr txBox="1"/>
           <p:nvPr>
-            <p:ph idx="2" type="sldNum"/>
+            <p:ph idx="12" type="sldNum"/>
           </p:nvPr>
         </p:nvSpPr>
         <p:spPr>
@@ -8741,7 +8657,7 @@
           <p:cNvPr id="163" name="Shape 163"/>
           <p:cNvSpPr txBox="1"/>
           <p:nvPr>
-            <p:ph idx="3" type="sldNum"/>
+            <p:ph idx="12" type="sldNum"/>
           </p:nvPr>
         </p:nvSpPr>
         <p:spPr>
@@ -9010,7 +8926,7 @@
           <p:cNvPr id="172" name="Shape 172"/>
           <p:cNvSpPr txBox="1"/>
           <p:nvPr>
-            <p:ph idx="2" type="sldNum"/>
+            <p:ph idx="12" type="sldNum"/>
           </p:nvPr>
         </p:nvSpPr>
         <p:spPr>
@@ -9050,7 +8966,7 @@
           <p:cNvPr id="173" name="Shape 173"/>
           <p:cNvSpPr txBox="1"/>
           <p:nvPr>
-            <p:ph idx="3" type="sldNum"/>
+            <p:ph idx="12" type="sldNum"/>
           </p:nvPr>
         </p:nvSpPr>
         <p:spPr>
@@ -9125,6 +9041,285 @@
 </file>
 
 <file path=ppt/theme/theme.xml><?xml version="1.0" encoding="utf-8"?>
+<a:theme xmlns:a="http://schemas.openxmlformats.org/drawingml/2006/main" xmlns:r="http://schemas.openxmlformats.org/officeDocument/2006/relationships" name="Custom Theme">
+  <a:themeElements>
+    <a:clrScheme name="Default">
+      <a:dk1>
+        <a:srgbClr val="000000"/>
+      </a:dk1>
+      <a:lt1>
+        <a:srgbClr val="FFFFFF"/>
+      </a:lt1>
+      <a:dk2>
+        <a:srgbClr val="158158"/>
+      </a:dk2>
+      <a:lt2>
+        <a:srgbClr val="F3F3F3"/>
+      </a:lt2>
+      <a:accent1>
+        <a:srgbClr val="058DC7"/>
+      </a:accent1>
+      <a:accent2>
+        <a:srgbClr val="50B432"/>
+      </a:accent2>
+      <a:accent3>
+        <a:srgbClr val="ED561B"/>
+      </a:accent3>
+      <a:accent4>
+        <a:srgbClr val="EDEF00"/>
+      </a:accent4>
+      <a:accent5>
+        <a:srgbClr val="24CBE5"/>
+      </a:accent5>
+      <a:accent6>
+        <a:srgbClr val="64E572"/>
+      </a:accent6>
+      <a:hlink>
+        <a:srgbClr val="2200CC"/>
+      </a:hlink>
+      <a:folHlink>
+        <a:srgbClr val="551A8B"/>
+      </a:folHlink>
+    </a:clrScheme>
+    <a:fontScheme name="Office">
+      <a:majorFont>
+        <a:latin typeface="Arial"/>
+        <a:ea typeface=""/>
+        <a:cs typeface=""/>
+        <a:font script="Jpan" typeface="ＭＳ Ｐゴシック"/>
+        <a:font script="Hang" typeface="맑은 고딕"/>
+        <a:font script="Hans" typeface="宋体"/>
+        <a:font script="Hant" typeface="新細明體"/>
+        <a:font script="Arab" typeface="Times New Roman"/>
+        <a:font script="Hebr" typeface="Times New Roman"/>
+        <a:font script="Thai" typeface="Angsana New"/>
+        <a:font script="Ethi" typeface="Nyala"/>
+        <a:font script="Beng" typeface="Vrinda"/>
+        <a:font script="Gujr" typeface="Shruti"/>
+        <a:font script="Khmr" typeface="MoolBoran"/>
+        <a:font script="Knda" typeface="Tunga"/>
+        <a:font script="Guru" typeface="Raavi"/>
+        <a:font script="Cans" typeface="Euphemia"/>
+        <a:font script="Cher" typeface="Plantagenet Cherokee"/>
+        <a:font script="Yiii" typeface="Microsoft Yi Baiti"/>
+        <a:font script="Tibt" typeface="Microsoft Himalaya"/>
+        <a:font script="Thaa" typeface="MV Boli"/>
+        <a:font script="Deva" typeface="Mangal"/>
+        <a:font script="Telu" typeface="Gautami"/>
+        <a:font script="Taml" typeface="Latha"/>
+        <a:font script="Syrc" typeface="Estrangelo Edessa"/>
+        <a:font script="Orya" typeface="Kalinga"/>
+        <a:font script="Mlym" typeface="Kartika"/>
+        <a:font script="Laoo" typeface="DokChampa"/>
+        <a:font script="Sinh" typeface="Iskoola Pota"/>
+        <a:font script="Mong" typeface="Mongolian Baiti"/>
+        <a:font script="Viet" typeface="Times New Roman"/>
+        <a:font script="Uigh" typeface="Microsoft Uighur"/>
+        <a:font script="Geor" typeface="Sylfaen"/>
+      </a:majorFont>
+      <a:minorFont>
+        <a:latin typeface="Arial"/>
+        <a:ea typeface=""/>
+        <a:cs typeface=""/>
+        <a:font script="Jpan" typeface="ＭＳ Ｐゴシック"/>
+        <a:font script="Hang" typeface="맑은 고딕"/>
+        <a:font script="Hans" typeface="宋体"/>
+        <a:font script="Hant" typeface="新細明體"/>
+        <a:font script="Arab" typeface="Arial"/>
+        <a:font script="Hebr" typeface="Arial"/>
+        <a:font script="Thai" typeface="Cordia New"/>
+        <a:font script="Ethi" typeface="Nyala"/>
+        <a:font script="Beng" typeface="Vrinda"/>
+        <a:font script="Gujr" typeface="Shruti"/>
+        <a:font script="Khmr" typeface="DaunPenh"/>
+        <a:font script="Knda" typeface="Tunga"/>
+        <a:font script="Guru" typeface="Raavi"/>
+        <a:font script="Cans" typeface="Euphemia"/>
+        <a:font script="Cher" typeface="Plantagenet Cherokee"/>
+        <a:font script="Yiii" typeface="Microsoft Yi Baiti"/>
+        <a:font script="Tibt" typeface="Microsoft Himalaya"/>
+        <a:font script="Thaa" typeface="MV Boli"/>
+        <a:font script="Deva" typeface="Mangal"/>
+        <a:font script="Telu" typeface="Gautami"/>
+        <a:font script="Taml" typeface="Latha"/>
+        <a:font script="Syrc" typeface="Estrangelo Edessa"/>
+        <a:font script="Orya" typeface="Kalinga"/>
+        <a:font script="Mlym" typeface="Kartika"/>
+        <a:font script="Laoo" typeface="DokChampa"/>
+        <a:font script="Sinh" typeface="Iskoola Pota"/>
+        <a:font script="Mong" typeface="Mongolian Baiti"/>
+        <a:font script="Viet" typeface="Arial"/>
+        <a:font script="Uigh" typeface="Microsoft Uighur"/>
+        <a:font script="Geor" typeface="Sylfaen"/>
+      </a:minorFont>
+    </a:fontScheme>
+    <a:fmtScheme name="Office">
+      <a:fillStyleLst>
+        <a:solidFill>
+          <a:schemeClr val="phClr"/>
+        </a:solidFill>
+        <a:gradFill rotWithShape="1">
+          <a:gsLst>
+            <a:gs pos="0">
+              <a:schemeClr val="phClr">
+                <a:tint val="50000"/>
+                <a:satMod val="300000"/>
+              </a:schemeClr>
+            </a:gs>
+            <a:gs pos="35000">
+              <a:schemeClr val="phClr">
+                <a:tint val="37000"/>
+                <a:satMod val="300000"/>
+              </a:schemeClr>
+            </a:gs>
+            <a:gs pos="100000">
+              <a:schemeClr val="phClr">
+                <a:tint val="15000"/>
+                <a:satMod val="350000"/>
+              </a:schemeClr>
+            </a:gs>
+          </a:gsLst>
+          <a:lin ang="16200000" scaled="1"/>
+        </a:gradFill>
+        <a:gradFill rotWithShape="1">
+          <a:gsLst>
+            <a:gs pos="0">
+              <a:schemeClr val="phClr">
+                <a:tint val="100000"/>
+                <a:shade val="100000"/>
+                <a:satMod val="130000"/>
+              </a:schemeClr>
+            </a:gs>
+            <a:gs pos="100000">
+              <a:schemeClr val="phClr">
+                <a:tint val="50000"/>
+                <a:shade val="100000"/>
+                <a:satMod val="350000"/>
+              </a:schemeClr>
+            </a:gs>
+          </a:gsLst>
+          <a:lin ang="16200000" scaled="0"/>
+        </a:gradFill>
+      </a:fillStyleLst>
+      <a:lnStyleLst>
+        <a:ln w="9525" cap="flat" cmpd="sng" algn="ctr">
+          <a:solidFill>
+            <a:schemeClr val="phClr">
+              <a:shade val="95000"/>
+              <a:satMod val="105000"/>
+            </a:schemeClr>
+          </a:solidFill>
+          <a:prstDash val="solid"/>
+        </a:ln>
+        <a:ln w="25400" cap="flat" cmpd="sng" algn="ctr">
+          <a:solidFill>
+            <a:schemeClr val="phClr"/>
+          </a:solidFill>
+          <a:prstDash val="solid"/>
+        </a:ln>
+        <a:ln w="38100" cap="flat" cmpd="sng" algn="ctr">
+          <a:solidFill>
+            <a:schemeClr val="phClr"/>
+          </a:solidFill>
+          <a:prstDash val="solid"/>
+        </a:ln>
+      </a:lnStyleLst>
+      <a:effectStyleLst>
+        <a:effectStyle>
+          <a:effectLst>
+            <a:outerShdw blurRad="40000" dist="20000" dir="5400000" rotWithShape="0">
+              <a:srgbClr val="000000">
+                <a:alpha val="38000"/>
+              </a:srgbClr>
+            </a:outerShdw>
+          </a:effectLst>
+        </a:effectStyle>
+        <a:effectStyle>
+          <a:effectLst>
+            <a:outerShdw blurRad="40000" dist="23000" dir="5400000" rotWithShape="0">
+              <a:srgbClr val="000000">
+                <a:alpha val="35000"/>
+              </a:srgbClr>
+            </a:outerShdw>
+          </a:effectLst>
+        </a:effectStyle>
+        <a:effectStyle>
+          <a:effectLst>
+            <a:outerShdw blurRad="40000" dist="23000" dir="5400000" rotWithShape="0">
+              <a:srgbClr val="000000">
+                <a:alpha val="35000"/>
+              </a:srgbClr>
+            </a:outerShdw>
+          </a:effectLst>
+          <a:scene3d>
+            <a:camera prst="orthographicFront">
+              <a:rot lat="0" lon="0" rev="0"/>
+            </a:camera>
+            <a:lightRig rig="threePt" dir="t">
+              <a:rot lat="0" lon="0" rev="1200000"/>
+            </a:lightRig>
+          </a:scene3d>
+          <a:sp3d>
+            <a:bevelT w="63500" h="25400"/>
+          </a:sp3d>
+        </a:effectStyle>
+      </a:effectStyleLst>
+      <a:bgFillStyleLst>
+        <a:solidFill>
+          <a:schemeClr val="phClr"/>
+        </a:solidFill>
+        <a:gradFill rotWithShape="1">
+          <a:gsLst>
+            <a:gs pos="0">
+              <a:schemeClr val="phClr">
+                <a:tint val="40000"/>
+                <a:satMod val="350000"/>
+              </a:schemeClr>
+            </a:gs>
+            <a:gs pos="40000">
+              <a:schemeClr val="phClr">
+                <a:tint val="45000"/>
+                <a:shade val="99000"/>
+                <a:satMod val="350000"/>
+              </a:schemeClr>
+            </a:gs>
+            <a:gs pos="100000">
+              <a:schemeClr val="phClr">
+                <a:shade val="20000"/>
+                <a:satMod val="255000"/>
+              </a:schemeClr>
+            </a:gs>
+          </a:gsLst>
+          <a:path path="circle">
+            <a:fillToRect l="50000" t="-80000" r="50000" b="180000"/>
+          </a:path>
+        </a:gradFill>
+        <a:gradFill rotWithShape="1">
+          <a:gsLst>
+            <a:gs pos="0">
+              <a:schemeClr val="phClr">
+                <a:tint val="80000"/>
+                <a:satMod val="300000"/>
+              </a:schemeClr>
+            </a:gs>
+            <a:gs pos="100000">
+              <a:schemeClr val="phClr">
+                <a:shade val="30000"/>
+                <a:satMod val="200000"/>
+              </a:schemeClr>
+            </a:gs>
+          </a:gsLst>
+          <a:path path="circle">
+            <a:fillToRect l="50000" t="50000" r="50000" b="50000"/>
+          </a:path>
+        </a:gradFill>
+      </a:bgFillStyleLst>
+    </a:fmtScheme>
+  </a:themeElements>
+</a:theme>
+</file>
+
+<file path=ppt/theme/theme1.xml><?xml version="1.0" encoding="utf-8"?>
 <a:theme xmlns:a="http://schemas.openxmlformats.org/drawingml/2006/main" xmlns:r="http://schemas.openxmlformats.org/officeDocument/2006/relationships" name="simple-light-2">
   <a:themeElements>
     <a:clrScheme name="Simple Light">
@@ -9401,283 +9596,4 @@
     </a:fmtScheme>
   </a:themeElements>
 </a:theme>
-</file>
-
-<file path=ppt/theme/theme1.xml><?xml version="1.0" encoding="utf-8"?>
-<a:theme xmlns:a="http://schemas.openxmlformats.org/drawingml/2006/main" xmlns:r="http://schemas.openxmlformats.org/officeDocument/2006/relationships" name="Custom Theme">
-  <a:themeElements>
-    <a:clrScheme name="Default">
-      <a:dk1>
-        <a:srgbClr val="000000"/>
-      </a:dk1>
-      <a:lt1>
-        <a:srgbClr val="FFFFFF"/>
-      </a:lt1>
-      <a:dk2>
-        <a:srgbClr val="158158"/>
-      </a:dk2>
-      <a:lt2>
-        <a:srgbClr val="F3F3F3"/>
-      </a:lt2>
-      <a:accent1>
-        <a:srgbClr val="058DC7"/>
-      </a:accent1>
-      <a:accent2>
-        <a:srgbClr val="50B432"/>
-      </a:accent2>
-      <a:accent3>
-        <a:srgbClr val="ED561B"/>
-      </a:accent3>
-      <a:accent4>
-        <a:srgbClr val="EDEF00"/>
-      </a:accent4>
-      <a:accent5>
-        <a:srgbClr val="24CBE5"/>
-      </a:accent5>
-      <a:accent6>
-        <a:srgbClr val="64E572"/>
-      </a:accent6>
-      <a:hlink>
-        <a:srgbClr val="2200CC"/>
-      </a:hlink>
-      <a:folHlink>
-        <a:srgbClr val="551A8B"/>
-      </a:folHlink>
-    </a:clrScheme>
-    <a:fontScheme name="Office">
-      <a:majorFont>
-        <a:latin typeface="Arial"/>
-        <a:ea typeface=""/>
-        <a:cs typeface=""/>
-        <a:font script="Jpan" typeface="ＭＳ Ｐゴシック"/>
-        <a:font script="Hang" typeface="맑은 고딕"/>
-        <a:font script="Hans" typeface="宋体"/>
-        <a:font script="Hant" typeface="新細明體"/>
-        <a:font script="Arab" typeface="Times New Roman"/>
-        <a:font script="Hebr" typeface="Times New Roman"/>
-        <a:font script="Thai" typeface="Angsana New"/>
-        <a:font script="Ethi" typeface="Nyala"/>
-        <a:font script="Beng" typeface="Vrinda"/>
-        <a:font script="Gujr" typeface="Shruti"/>
-        <a:font script="Khmr" typeface="MoolBoran"/>
-        <a:font script="Knda" typeface="Tunga"/>
-        <a:font script="Guru" typeface="Raavi"/>
-        <a:font script="Cans" typeface="Euphemia"/>
-        <a:font script="Cher" typeface="Plantagenet Cherokee"/>
-        <a:font script="Yiii" typeface="Microsoft Yi Baiti"/>
-        <a:font script="Tibt" typeface="Microsoft Himalaya"/>
-        <a:font script="Thaa" typeface="MV Boli"/>
-        <a:font script="Deva" typeface="Mangal"/>
-        <a:font script="Telu" typeface="Gautami"/>
-        <a:font script="Taml" typeface="Latha"/>
-        <a:font script="Syrc" typeface="Estrangelo Edessa"/>
-        <a:font script="Orya" typeface="Kalinga"/>
-        <a:font script="Mlym" typeface="Kartika"/>
-        <a:font script="Laoo" typeface="DokChampa"/>
-        <a:font script="Sinh" typeface="Iskoola Pota"/>
-        <a:font script="Mong" typeface="Mongolian Baiti"/>
-        <a:font script="Viet" typeface="Times New Roman"/>
-        <a:font script="Uigh" typeface="Microsoft Uighur"/>
-        <a:font script="Geor" typeface="Sylfaen"/>
-      </a:majorFont>
-      <a:minorFont>
-        <a:latin typeface="Arial"/>
-        <a:ea typeface=""/>
-        <a:cs typeface=""/>
-        <a:font script="Jpan" typeface="ＭＳ Ｐゴシック"/>
-        <a:font script="Hang" typeface="맑은 고딕"/>
-        <a:font script="Hans" typeface="宋体"/>
-        <a:font script="Hant" typeface="新細明體"/>
-        <a:font script="Arab" typeface="Arial"/>
-        <a:font script="Hebr" typeface="Arial"/>
-        <a:font script="Thai" typeface="Cordia New"/>
-        <a:font script="Ethi" typeface="Nyala"/>
-        <a:font script="Beng" typeface="Vrinda"/>
-        <a:font script="Gujr" typeface="Shruti"/>
-        <a:font script="Khmr" typeface="DaunPenh"/>
-        <a:font script="Knda" typeface="Tunga"/>
-        <a:font script="Guru" typeface="Raavi"/>
-        <a:font script="Cans" typeface="Euphemia"/>
-        <a:font script="Cher" typeface="Plantagenet Cherokee"/>
-        <a:font script="Yiii" typeface="Microsoft Yi Baiti"/>
-        <a:font script="Tibt" typeface="Microsoft Himalaya"/>
-        <a:font script="Thaa" typeface="MV Boli"/>
-        <a:font script="Deva" typeface="Mangal"/>
-        <a:font script="Telu" typeface="Gautami"/>
-        <a:font script="Taml" typeface="Latha"/>
-        <a:font script="Syrc" typeface="Estrangelo Edessa"/>
-        <a:font script="Orya" typeface="Kalinga"/>
-        <a:font script="Mlym" typeface="Kartika"/>
-        <a:font script="Laoo" typeface="DokChampa"/>
-        <a:font script="Sinh" typeface="Iskoola Pota"/>
-        <a:font script="Mong" typeface="Mongolian Baiti"/>
-        <a:font script="Viet" typeface="Arial"/>
-        <a:font script="Uigh" typeface="Microsoft Uighur"/>
-        <a:font script="Geor" typeface="Sylfaen"/>
-      </a:minorFont>
-    </a:fontScheme>
-    <a:fmtScheme name="Office">
-      <a:fillStyleLst>
-        <a:solidFill>
-          <a:schemeClr val="phClr"/>
-        </a:solidFill>
-        <a:gradFill rotWithShape="1">
-          <a:gsLst>
-            <a:gs pos="0">
-              <a:schemeClr val="phClr">
-                <a:tint val="50000"/>
-                <a:satMod val="300000"/>
-              </a:schemeClr>
-            </a:gs>
-            <a:gs pos="35000">
-              <a:schemeClr val="phClr">
-                <a:tint val="37000"/>
-                <a:satMod val="300000"/>
-              </a:schemeClr>
-            </a:gs>
-            <a:gs pos="100000">
-              <a:schemeClr val="phClr">
-                <a:tint val="15000"/>
-                <a:satMod val="350000"/>
-              </a:schemeClr>
-            </a:gs>
-          </a:gsLst>
-          <a:lin ang="16200000" scaled="1"/>
-        </a:gradFill>
-        <a:gradFill rotWithShape="1">
-          <a:gsLst>
-            <a:gs pos="0">
-              <a:schemeClr val="phClr">
-                <a:tint val="100000"/>
-                <a:shade val="100000"/>
-                <a:satMod val="130000"/>
-              </a:schemeClr>
-            </a:gs>
-            <a:gs pos="100000">
-              <a:schemeClr val="phClr">
-                <a:tint val="50000"/>
-                <a:shade val="100000"/>
-                <a:satMod val="350000"/>
-              </a:schemeClr>
-            </a:gs>
-          </a:gsLst>
-          <a:lin ang="16200000" scaled="0"/>
-        </a:gradFill>
-      </a:fillStyleLst>
-      <a:lnStyleLst>
-        <a:ln w="9525" cap="flat" cmpd="sng" algn="ctr">
-          <a:solidFill>
-            <a:schemeClr val="phClr">
-              <a:shade val="95000"/>
-              <a:satMod val="105000"/>
-            </a:schemeClr>
-          </a:solidFill>
-          <a:prstDash val="solid"/>
-        </a:ln>
-        <a:ln w="25400" cap="flat" cmpd="sng" algn="ctr">
-          <a:solidFill>
-            <a:schemeClr val="phClr"/>
-          </a:solidFill>
-          <a:prstDash val="solid"/>
-        </a:ln>
-        <a:ln w="38100" cap="flat" cmpd="sng" algn="ctr">
-          <a:solidFill>
-            <a:schemeClr val="phClr"/>
-          </a:solidFill>
-          <a:prstDash val="solid"/>
-        </a:ln>
-      </a:lnStyleLst>
-      <a:effectStyleLst>
-        <a:effectStyle>
-          <a:effectLst>
-            <a:outerShdw blurRad="40000" dist="20000" dir="5400000" rotWithShape="0">
-              <a:srgbClr val="000000">
-                <a:alpha val="38000"/>
-              </a:srgbClr>
-            </a:outerShdw>
-          </a:effectLst>
-        </a:effectStyle>
-        <a:effectStyle>
-          <a:effectLst>
-            <a:outerShdw blurRad="40000" dist="23000" dir="5400000" rotWithShape="0">
-              <a:srgbClr val="000000">
-                <a:alpha val="35000"/>
-              </a:srgbClr>
-            </a:outerShdw>
-          </a:effectLst>
-        </a:effectStyle>
-        <a:effectStyle>
-          <a:effectLst>
-            <a:outerShdw blurRad="40000" dist="23000" dir="5400000" rotWithShape="0">
-              <a:srgbClr val="000000">
-                <a:alpha val="35000"/>
-              </a:srgbClr>
-            </a:outerShdw>
-          </a:effectLst>
-          <a:scene3d>
-            <a:camera prst="orthographicFront">
-              <a:rot lat="0" lon="0" rev="0"/>
-            </a:camera>
-            <a:lightRig rig="threePt" dir="t">
-              <a:rot lat="0" lon="0" rev="1200000"/>
-            </a:lightRig>
-          </a:scene3d>
-          <a:sp3d>
-            <a:bevelT w="63500" h="25400"/>
-          </a:sp3d>
-        </a:effectStyle>
-      </a:effectStyleLst>
-      <a:bgFillStyleLst>
-        <a:solidFill>
-          <a:schemeClr val="phClr"/>
-        </a:solidFill>
-        <a:gradFill rotWithShape="1">
-          <a:gsLst>
-            <a:gs pos="0">
-              <a:schemeClr val="phClr">
-                <a:tint val="40000"/>
-                <a:satMod val="350000"/>
-              </a:schemeClr>
-            </a:gs>
-            <a:gs pos="40000">
-              <a:schemeClr val="phClr">
-                <a:tint val="45000"/>
-                <a:shade val="99000"/>
-                <a:satMod val="350000"/>
-              </a:schemeClr>
-            </a:gs>
-            <a:gs pos="100000">
-              <a:schemeClr val="phClr">
-                <a:shade val="20000"/>
-                <a:satMod val="255000"/>
-              </a:schemeClr>
-            </a:gs>
-          </a:gsLst>
-          <a:path path="circle">
-            <a:fillToRect l="50000" t="-80000" r="50000" b="180000"/>
-          </a:path>
-        </a:gradFill>
-        <a:gradFill rotWithShape="1">
-          <a:gsLst>
-            <a:gs pos="0">
-              <a:schemeClr val="phClr">
-                <a:tint val="80000"/>
-                <a:satMod val="300000"/>
-              </a:schemeClr>
-            </a:gs>
-            <a:gs pos="100000">
-              <a:schemeClr val="phClr">
-                <a:shade val="30000"/>
-                <a:satMod val="200000"/>
-              </a:schemeClr>
-            </a:gs>
-          </a:gsLst>
-          <a:path path="circle">
-            <a:fillToRect l="50000" t="50000" r="50000" b="50000"/>
-          </a:path>
-        </a:gradFill>
-      </a:bgFillStyleLst>
-    </a:fmtScheme>
-  </a:themeElements>
-</a:theme>
 </file>
--- a/presentation/TeaAtHome.pptx
+++ b/presentation/TeaAtHome.pptx
@@ -1634,7 +1634,7 @@
 
 <file path=ppt/slideLayouts/slideLayout1.xml><?xml version="1.0" encoding="utf-8"?>
 <p:sldLayout xmlns:a="http://schemas.openxmlformats.org/drawingml/2006/main" xmlns:r="http://schemas.openxmlformats.org/officeDocument/2006/relationships" xmlns:mc="http://schemas.openxmlformats.org/markup-compatibility/2006" xmlns:mv="urn:schemas-microsoft-com:mac:vml" xmlns:p="http://schemas.openxmlformats.org/presentationml/2006/main" xmlns:c="http://schemas.openxmlformats.org/drawingml/2006/chart" xmlns:dgm="http://schemas.openxmlformats.org/drawingml/2006/diagram" xmlns:o="urn:schemas-microsoft-com:office:office" xmlns:v="urn:schemas-microsoft-com:vml" xmlns:pvml="urn:schemas-microsoft-com:office:powerpoint" xmlns:com="http://schemas.openxmlformats.org/drawingml/2006/compatibility" xmlns:p14="http://schemas.microsoft.com/office/powerpoint/2010/main" type="secHead">
-  <p:cSld name="Section title">
+  <p:cSld name="Section header">
     <p:spTree>
       <p:nvGrpSpPr>
         <p:cNvPr id="13" name="Shape 13"/>
@@ -9041,6 +9041,285 @@
 </file>
 
 <file path=ppt/theme/theme.xml><?xml version="1.0" encoding="utf-8"?>
+<a:theme xmlns:a="http://schemas.openxmlformats.org/drawingml/2006/main" xmlns:r="http://schemas.openxmlformats.org/officeDocument/2006/relationships" name="simple-light-2">
+  <a:themeElements>
+    <a:clrScheme name="Simple Light">
+      <a:dk1>
+        <a:srgbClr val="000000"/>
+      </a:dk1>
+      <a:lt1>
+        <a:srgbClr val="FFFFFF"/>
+      </a:lt1>
+      <a:dk2>
+        <a:srgbClr val="595959"/>
+      </a:dk2>
+      <a:lt2>
+        <a:srgbClr val="EEEEEE"/>
+      </a:lt2>
+      <a:accent1>
+        <a:srgbClr val="FFAB40"/>
+      </a:accent1>
+      <a:accent2>
+        <a:srgbClr val="212121"/>
+      </a:accent2>
+      <a:accent3>
+        <a:srgbClr val="78909C"/>
+      </a:accent3>
+      <a:accent4>
+        <a:srgbClr val="FFAB40"/>
+      </a:accent4>
+      <a:accent5>
+        <a:srgbClr val="0097A7"/>
+      </a:accent5>
+      <a:accent6>
+        <a:srgbClr val="EEFF41"/>
+      </a:accent6>
+      <a:hlink>
+        <a:srgbClr val="0097A7"/>
+      </a:hlink>
+      <a:folHlink>
+        <a:srgbClr val="0097A7"/>
+      </a:folHlink>
+    </a:clrScheme>
+    <a:fontScheme name="Office">
+      <a:majorFont>
+        <a:latin typeface="Arial"/>
+        <a:ea typeface=""/>
+        <a:cs typeface=""/>
+        <a:font script="Jpan" typeface="ＭＳ Ｐゴシック"/>
+        <a:font script="Hang" typeface="맑은 고딕"/>
+        <a:font script="Hans" typeface="宋体"/>
+        <a:font script="Hant" typeface="新細明體"/>
+        <a:font script="Arab" typeface="Times New Roman"/>
+        <a:font script="Hebr" typeface="Times New Roman"/>
+        <a:font script="Thai" typeface="Angsana New"/>
+        <a:font script="Ethi" typeface="Nyala"/>
+        <a:font script="Beng" typeface="Vrinda"/>
+        <a:font script="Gujr" typeface="Shruti"/>
+        <a:font script="Khmr" typeface="MoolBoran"/>
+        <a:font script="Knda" typeface="Tunga"/>
+        <a:font script="Guru" typeface="Raavi"/>
+        <a:font script="Cans" typeface="Euphemia"/>
+        <a:font script="Cher" typeface="Plantagenet Cherokee"/>
+        <a:font script="Yiii" typeface="Microsoft Yi Baiti"/>
+        <a:font script="Tibt" typeface="Microsoft Himalaya"/>
+        <a:font script="Thaa" typeface="MV Boli"/>
+        <a:font script="Deva" typeface="Mangal"/>
+        <a:font script="Telu" typeface="Gautami"/>
+        <a:font script="Taml" typeface="Latha"/>
+        <a:font script="Syrc" typeface="Estrangelo Edessa"/>
+        <a:font script="Orya" typeface="Kalinga"/>
+        <a:font script="Mlym" typeface="Kartika"/>
+        <a:font script="Laoo" typeface="DokChampa"/>
+        <a:font script="Sinh" typeface="Iskoola Pota"/>
+        <a:font script="Mong" typeface="Mongolian Baiti"/>
+        <a:font script="Viet" typeface="Times New Roman"/>
+        <a:font script="Uigh" typeface="Microsoft Uighur"/>
+        <a:font script="Geor" typeface="Sylfaen"/>
+      </a:majorFont>
+      <a:minorFont>
+        <a:latin typeface="Arial"/>
+        <a:ea typeface=""/>
+        <a:cs typeface=""/>
+        <a:font script="Jpan" typeface="ＭＳ Ｐゴシック"/>
+        <a:font script="Hang" typeface="맑은 고딕"/>
+        <a:font script="Hans" typeface="宋体"/>
+        <a:font script="Hant" typeface="新細明體"/>
+        <a:font script="Arab" typeface="Arial"/>
+        <a:font script="Hebr" typeface="Arial"/>
+        <a:font script="Thai" typeface="Cordia New"/>
+        <a:font script="Ethi" typeface="Nyala"/>
+        <a:font script="Beng" typeface="Vrinda"/>
+        <a:font script="Gujr" typeface="Shruti"/>
+        <a:font script="Khmr" typeface="DaunPenh"/>
+        <a:font script="Knda" typeface="Tunga"/>
+        <a:font script="Guru" typeface="Raavi"/>
+        <a:font script="Cans" typeface="Euphemia"/>
+        <a:font script="Cher" typeface="Plantagenet Cherokee"/>
+        <a:font script="Yiii" typeface="Microsoft Yi Baiti"/>
+        <a:font script="Tibt" typeface="Microsoft Himalaya"/>
+        <a:font script="Thaa" typeface="MV Boli"/>
+        <a:font script="Deva" typeface="Mangal"/>
+        <a:font script="Telu" typeface="Gautami"/>
+        <a:font script="Taml" typeface="Latha"/>
+        <a:font script="Syrc" typeface="Estrangelo Edessa"/>
+        <a:font script="Orya" typeface="Kalinga"/>
+        <a:font script="Mlym" typeface="Kartika"/>
+        <a:font script="Laoo" typeface="DokChampa"/>
+        <a:font script="Sinh" typeface="Iskoola Pota"/>
+        <a:font script="Mong" typeface="Mongolian Baiti"/>
+        <a:font script="Viet" typeface="Arial"/>
+        <a:font script="Uigh" typeface="Microsoft Uighur"/>
+        <a:font script="Geor" typeface="Sylfaen"/>
+      </a:minorFont>
+    </a:fontScheme>
+    <a:fmtScheme name="Office">
+      <a:fillStyleLst>
+        <a:solidFill>
+          <a:schemeClr val="phClr"/>
+        </a:solidFill>
+        <a:gradFill rotWithShape="1">
+          <a:gsLst>
+            <a:gs pos="0">
+              <a:schemeClr val="phClr">
+                <a:tint val="50000"/>
+                <a:satMod val="300000"/>
+              </a:schemeClr>
+            </a:gs>
+            <a:gs pos="35000">
+              <a:schemeClr val="phClr">
+                <a:tint val="37000"/>
+                <a:satMod val="300000"/>
+              </a:schemeClr>
+            </a:gs>
+            <a:gs pos="100000">
+              <a:schemeClr val="phClr">
+                <a:tint val="15000"/>
+                <a:satMod val="350000"/>
+              </a:schemeClr>
+            </a:gs>
+          </a:gsLst>
+          <a:lin ang="16200000" scaled="1"/>
+        </a:gradFill>
+        <a:gradFill rotWithShape="1">
+          <a:gsLst>
+            <a:gs pos="0">
+              <a:schemeClr val="phClr">
+                <a:tint val="100000"/>
+                <a:shade val="100000"/>
+                <a:satMod val="130000"/>
+              </a:schemeClr>
+            </a:gs>
+            <a:gs pos="100000">
+              <a:schemeClr val="phClr">
+                <a:tint val="50000"/>
+                <a:shade val="100000"/>
+                <a:satMod val="350000"/>
+              </a:schemeClr>
+            </a:gs>
+          </a:gsLst>
+          <a:lin ang="16200000" scaled="0"/>
+        </a:gradFill>
+      </a:fillStyleLst>
+      <a:lnStyleLst>
+        <a:ln w="9525" cap="flat" cmpd="sng" algn="ctr">
+          <a:solidFill>
+            <a:schemeClr val="phClr">
+              <a:shade val="95000"/>
+              <a:satMod val="105000"/>
+            </a:schemeClr>
+          </a:solidFill>
+          <a:prstDash val="solid"/>
+        </a:ln>
+        <a:ln w="25400" cap="flat" cmpd="sng" algn="ctr">
+          <a:solidFill>
+            <a:schemeClr val="phClr"/>
+          </a:solidFill>
+          <a:prstDash val="solid"/>
+        </a:ln>
+        <a:ln w="38100" cap="flat" cmpd="sng" algn="ctr">
+          <a:solidFill>
+            <a:schemeClr val="phClr"/>
+          </a:solidFill>
+          <a:prstDash val="solid"/>
+        </a:ln>
+      </a:lnStyleLst>
+      <a:effectStyleLst>
+        <a:effectStyle>
+          <a:effectLst>
+            <a:outerShdw blurRad="40000" dist="20000" dir="5400000" rotWithShape="0">
+              <a:srgbClr val="000000">
+                <a:alpha val="38000"/>
+              </a:srgbClr>
+            </a:outerShdw>
+          </a:effectLst>
+        </a:effectStyle>
+        <a:effectStyle>
+          <a:effectLst>
+            <a:outerShdw blurRad="40000" dist="23000" dir="5400000" rotWithShape="0">
+              <a:srgbClr val="000000">
+                <a:alpha val="35000"/>
+              </a:srgbClr>
+            </a:outerShdw>
+          </a:effectLst>
+        </a:effectStyle>
+        <a:effectStyle>
+          <a:effectLst>
+            <a:outerShdw blurRad="40000" dist="23000" dir="5400000" rotWithShape="0">
+              <a:srgbClr val="000000">
+                <a:alpha val="35000"/>
+              </a:srgbClr>
+            </a:outerShdw>
+          </a:effectLst>
+          <a:scene3d>
+            <a:camera prst="orthographicFront">
+              <a:rot lat="0" lon="0" rev="0"/>
+            </a:camera>
+            <a:lightRig rig="threePt" dir="t">
+              <a:rot lat="0" lon="0" rev="1200000"/>
+            </a:lightRig>
+          </a:scene3d>
+          <a:sp3d>
+            <a:bevelT w="63500" h="25400"/>
+          </a:sp3d>
+        </a:effectStyle>
+      </a:effectStyleLst>
+      <a:bgFillStyleLst>
+        <a:solidFill>
+          <a:schemeClr val="phClr"/>
+        </a:solidFill>
+        <a:gradFill rotWithShape="1">
+          <a:gsLst>
+            <a:gs pos="0">
+              <a:schemeClr val="phClr">
+                <a:tint val="40000"/>
+                <a:satMod val="350000"/>
+              </a:schemeClr>
+            </a:gs>
+            <a:gs pos="40000">
+              <a:schemeClr val="phClr">
+                <a:tint val="45000"/>
+                <a:shade val="99000"/>
+                <a:satMod val="350000"/>
+              </a:schemeClr>
+            </a:gs>
+            <a:gs pos="100000">
+              <a:schemeClr val="phClr">
+                <a:shade val="20000"/>
+                <a:satMod val="255000"/>
+              </a:schemeClr>
+            </a:gs>
+          </a:gsLst>
+          <a:path path="circle">
+            <a:fillToRect l="50000" t="-80000" r="50000" b="180000"/>
+          </a:path>
+        </a:gradFill>
+        <a:gradFill rotWithShape="1">
+          <a:gsLst>
+            <a:gs pos="0">
+              <a:schemeClr val="phClr">
+                <a:tint val="80000"/>
+                <a:satMod val="300000"/>
+              </a:schemeClr>
+            </a:gs>
+            <a:gs pos="100000">
+              <a:schemeClr val="phClr">
+                <a:shade val="30000"/>
+                <a:satMod val="200000"/>
+              </a:schemeClr>
+            </a:gs>
+          </a:gsLst>
+          <a:path path="circle">
+            <a:fillToRect l="50000" t="50000" r="50000" b="50000"/>
+          </a:path>
+        </a:gradFill>
+      </a:bgFillStyleLst>
+    </a:fmtScheme>
+  </a:themeElements>
+</a:theme>
+</file>
+
+<file path=ppt/theme/theme1.xml><?xml version="1.0" encoding="utf-8"?>
 <a:theme xmlns:a="http://schemas.openxmlformats.org/drawingml/2006/main" xmlns:r="http://schemas.openxmlformats.org/officeDocument/2006/relationships" name="Custom Theme">
   <a:themeElements>
     <a:clrScheme name="Default">
@@ -9317,283 +9596,4 @@
     </a:fmtScheme>
   </a:themeElements>
 </a:theme>
-</file>
-
-<file path=ppt/theme/theme1.xml><?xml version="1.0" encoding="utf-8"?>
-<a:theme xmlns:a="http://schemas.openxmlformats.org/drawingml/2006/main" xmlns:r="http://schemas.openxmlformats.org/officeDocument/2006/relationships" name="simple-light-2">
-  <a:themeElements>
-    <a:clrScheme name="Simple Light">
-      <a:dk1>
-        <a:srgbClr val="000000"/>
-      </a:dk1>
-      <a:lt1>
-        <a:srgbClr val="FFFFFF"/>
-      </a:lt1>
-      <a:dk2>
-        <a:srgbClr val="595959"/>
-      </a:dk2>
-      <a:lt2>
-        <a:srgbClr val="EEEEEE"/>
-      </a:lt2>
-      <a:accent1>
-        <a:srgbClr val="FFAB40"/>
-      </a:accent1>
-      <a:accent2>
-        <a:srgbClr val="212121"/>
-      </a:accent2>
-      <a:accent3>
-        <a:srgbClr val="78909C"/>
-      </a:accent3>
-      <a:accent4>
-        <a:srgbClr val="FFAB40"/>
-      </a:accent4>
-      <a:accent5>
-        <a:srgbClr val="0097A7"/>
-      </a:accent5>
-      <a:accent6>
-        <a:srgbClr val="EEFF41"/>
-      </a:accent6>
-      <a:hlink>
-        <a:srgbClr val="0097A7"/>
-      </a:hlink>
-      <a:folHlink>
-        <a:srgbClr val="0097A7"/>
-      </a:folHlink>
-    </a:clrScheme>
-    <a:fontScheme name="Office">
-      <a:majorFont>
-        <a:latin typeface="Arial"/>
-        <a:ea typeface=""/>
-        <a:cs typeface=""/>
-        <a:font script="Jpan" typeface="ＭＳ Ｐゴシック"/>
-        <a:font script="Hang" typeface="맑은 고딕"/>
-        <a:font script="Hans" typeface="宋体"/>
-        <a:font script="Hant" typeface="新細明體"/>
-        <a:font script="Arab" typeface="Times New Roman"/>
-        <a:font script="Hebr" typeface="Times New Roman"/>
-        <a:font script="Thai" typeface="Angsana New"/>
-        <a:font script="Ethi" typeface="Nyala"/>
-        <a:font script="Beng" typeface="Vrinda"/>
-        <a:font script="Gujr" typeface="Shruti"/>
-        <a:font script="Khmr" typeface="MoolBoran"/>
-        <a:font script="Knda" typeface="Tunga"/>
-        <a:font script="Guru" typeface="Raavi"/>
-        <a:font script="Cans" typeface="Euphemia"/>
-        <a:font script="Cher" typeface="Plantagenet Cherokee"/>
-        <a:font script="Yiii" typeface="Microsoft Yi Baiti"/>
-        <a:font script="Tibt" typeface="Microsoft Himalaya"/>
-        <a:font script="Thaa" typeface="MV Boli"/>
-        <a:font script="Deva" typeface="Mangal"/>
-        <a:font script="Telu" typeface="Gautami"/>
-        <a:font script="Taml" typeface="Latha"/>
-        <a:font script="Syrc" typeface="Estrangelo Edessa"/>
-        <a:font script="Orya" typeface="Kalinga"/>
-        <a:font script="Mlym" typeface="Kartika"/>
-        <a:font script="Laoo" typeface="DokChampa"/>
-        <a:font script="Sinh" typeface="Iskoola Pota"/>
-        <a:font script="Mong" typeface="Mongolian Baiti"/>
-        <a:font script="Viet" typeface="Times New Roman"/>
-        <a:font script="Uigh" typeface="Microsoft Uighur"/>
-        <a:font script="Geor" typeface="Sylfaen"/>
-      </a:majorFont>
-      <a:minorFont>
-        <a:latin typeface="Arial"/>
-        <a:ea typeface=""/>
-        <a:cs typeface=""/>
-        <a:font script="Jpan" typeface="ＭＳ Ｐゴシック"/>
-        <a:font script="Hang" typeface="맑은 고딕"/>
-        <a:font script="Hans" typeface="宋体"/>
-        <a:font script="Hant" typeface="新細明體"/>
-        <a:font script="Arab" typeface="Arial"/>
-        <a:font script="Hebr" typeface="Arial"/>
-        <a:font script="Thai" typeface="Cordia New"/>
-        <a:font script="Ethi" typeface="Nyala"/>
-        <a:font script="Beng" typeface="Vrinda"/>
-        <a:font script="Gujr" typeface="Shruti"/>
-        <a:font script="Khmr" typeface="DaunPenh"/>
-        <a:font script="Knda" typeface="Tunga"/>
-        <a:font script="Guru" typeface="Raavi"/>
-        <a:font script="Cans" typeface="Euphemia"/>
-        <a:font script="Cher" typeface="Plantagenet Cherokee"/>
-        <a:font script="Yiii" typeface="Microsoft Yi Baiti"/>
-        <a:font script="Tibt" typeface="Microsoft Himalaya"/>
-        <a:font script="Thaa" typeface="MV Boli"/>
-        <a:font script="Deva" typeface="Mangal"/>
-        <a:font script="Telu" typeface="Gautami"/>
-        <a:font script="Taml" typeface="Latha"/>
-        <a:font script="Syrc" typeface="Estrangelo Edessa"/>
-        <a:font script="Orya" typeface="Kalinga"/>
-        <a:font script="Mlym" typeface="Kartika"/>
-        <a:font script="Laoo" typeface="DokChampa"/>
-        <a:font script="Sinh" typeface="Iskoola Pota"/>
-        <a:font script="Mong" typeface="Mongolian Baiti"/>
-        <a:font script="Viet" typeface="Arial"/>
-        <a:font script="Uigh" typeface="Microsoft Uighur"/>
-        <a:font script="Geor" typeface="Sylfaen"/>
-      </a:minorFont>
-    </a:fontScheme>
-    <a:fmtScheme name="Office">
-      <a:fillStyleLst>
-        <a:solidFill>
-          <a:schemeClr val="phClr"/>
-        </a:solidFill>
-        <a:gradFill rotWithShape="1">
-          <a:gsLst>
-            <a:gs pos="0">
-              <a:schemeClr val="phClr">
-                <a:tint val="50000"/>
-                <a:satMod val="300000"/>
-              </a:schemeClr>
-            </a:gs>
-            <a:gs pos="35000">
-              <a:schemeClr val="phClr">
-                <a:tint val="37000"/>
-                <a:satMod val="300000"/>
-              </a:schemeClr>
-            </a:gs>
-            <a:gs pos="100000">
-              <a:schemeClr val="phClr">
-                <a:tint val="15000"/>
-                <a:satMod val="350000"/>
-              </a:schemeClr>
-            </a:gs>
-          </a:gsLst>
-          <a:lin ang="16200000" scaled="1"/>
-        </a:gradFill>
-        <a:gradFill rotWithShape="1">
-          <a:gsLst>
-            <a:gs pos="0">
-              <a:schemeClr val="phClr">
-                <a:tint val="100000"/>
-                <a:shade val="100000"/>
-                <a:satMod val="130000"/>
-              </a:schemeClr>
-            </a:gs>
-            <a:gs pos="100000">
-              <a:schemeClr val="phClr">
-                <a:tint val="50000"/>
-                <a:shade val="100000"/>
-                <a:satMod val="350000"/>
-              </a:schemeClr>
-            </a:gs>
-          </a:gsLst>
-          <a:lin ang="16200000" scaled="0"/>
-        </a:gradFill>
-      </a:fillStyleLst>
-      <a:lnStyleLst>
-        <a:ln w="9525" cap="flat" cmpd="sng" algn="ctr">
-          <a:solidFill>
-            <a:schemeClr val="phClr">
-              <a:shade val="95000"/>
-              <a:satMod val="105000"/>
-            </a:schemeClr>
-          </a:solidFill>
-          <a:prstDash val="solid"/>
-        </a:ln>
-        <a:ln w="25400" cap="flat" cmpd="sng" algn="ctr">
-          <a:solidFill>
-            <a:schemeClr val="phClr"/>
-          </a:solidFill>
-          <a:prstDash val="solid"/>
-        </a:ln>
-        <a:ln w="38100" cap="flat" cmpd="sng" algn="ctr">
-          <a:solidFill>
-            <a:schemeClr val="phClr"/>
-          </a:solidFill>
-          <a:prstDash val="solid"/>
-        </a:ln>
-      </a:lnStyleLst>
-      <a:effectStyleLst>
-        <a:effectStyle>
-          <a:effectLst>
-            <a:outerShdw blurRad="40000" dist="20000" dir="5400000" rotWithShape="0">
-              <a:srgbClr val="000000">
-                <a:alpha val="38000"/>
-              </a:srgbClr>
-            </a:outerShdw>
-          </a:effectLst>
-        </a:effectStyle>
-        <a:effectStyle>
-          <a:effectLst>
-            <a:outerShdw blurRad="40000" dist="23000" dir="5400000" rotWithShape="0">
-              <a:srgbClr val="000000">
-                <a:alpha val="35000"/>
-              </a:srgbClr>
-            </a:outerShdw>
-          </a:effectLst>
-        </a:effectStyle>
-        <a:effectStyle>
-          <a:effectLst>
-            <a:outerShdw blurRad="40000" dist="23000" dir="5400000" rotWithShape="0">
-              <a:srgbClr val="000000">
-                <a:alpha val="35000"/>
-              </a:srgbClr>
-            </a:outerShdw>
-          </a:effectLst>
-          <a:scene3d>
-            <a:camera prst="orthographicFront">
-              <a:rot lat="0" lon="0" rev="0"/>
-            </a:camera>
-            <a:lightRig rig="threePt" dir="t">
-              <a:rot lat="0" lon="0" rev="1200000"/>
-            </a:lightRig>
-          </a:scene3d>
-          <a:sp3d>
-            <a:bevelT w="63500" h="25400"/>
-          </a:sp3d>
-        </a:effectStyle>
-      </a:effectStyleLst>
-      <a:bgFillStyleLst>
-        <a:solidFill>
-          <a:schemeClr val="phClr"/>
-        </a:solidFill>
-        <a:gradFill rotWithShape="1">
-          <a:gsLst>
-            <a:gs pos="0">
-              <a:schemeClr val="phClr">
-                <a:tint val="40000"/>
-                <a:satMod val="350000"/>
-              </a:schemeClr>
-            </a:gs>
-            <a:gs pos="40000">
-              <a:schemeClr val="phClr">
-                <a:tint val="45000"/>
-                <a:shade val="99000"/>
-                <a:satMod val="350000"/>
-              </a:schemeClr>
-            </a:gs>
-            <a:gs pos="100000">
-              <a:schemeClr val="phClr">
-                <a:shade val="20000"/>
-                <a:satMod val="255000"/>
-              </a:schemeClr>
-            </a:gs>
-          </a:gsLst>
-          <a:path path="circle">
-            <a:fillToRect l="50000" t="-80000" r="50000" b="180000"/>
-          </a:path>
-        </a:gradFill>
-        <a:gradFill rotWithShape="1">
-          <a:gsLst>
-            <a:gs pos="0">
-              <a:schemeClr val="phClr">
-                <a:tint val="80000"/>
-                <a:satMod val="300000"/>
-              </a:schemeClr>
-            </a:gs>
-            <a:gs pos="100000">
-              <a:schemeClr val="phClr">
-                <a:shade val="30000"/>
-                <a:satMod val="200000"/>
-              </a:schemeClr>
-            </a:gs>
-          </a:gsLst>
-          <a:path path="circle">
-            <a:fillToRect l="50000" t="50000" r="50000" b="50000"/>
-          </a:path>
-        </a:gradFill>
-      </a:bgFillStyleLst>
-    </a:fmtScheme>
-  </a:themeElements>
-</a:theme>
 </file>